--- a/Executors.pptx
+++ b/Executors.pptx
@@ -11,9 +11,10 @@
     <p:sldId id="262" r:id="rId5"/>
     <p:sldId id="263" r:id="rId6"/>
     <p:sldId id="264" r:id="rId7"/>
-    <p:sldId id="265" r:id="rId8"/>
-    <p:sldId id="266" r:id="rId9"/>
-    <p:sldId id="267" r:id="rId10"/>
+    <p:sldId id="268" r:id="rId8"/>
+    <p:sldId id="265" r:id="rId9"/>
+    <p:sldId id="266" r:id="rId10"/>
+    <p:sldId id="267" r:id="rId11"/>
   </p:sldIdLst>
   <p:sldSz cx="9144000" cy="6858000" type="screen4x3"/>
   <p:notesSz cx="6858000" cy="9144000"/>
@@ -296,7 +297,7 @@
           <a:p>
             <a:fld id="{B4C71EC6-210F-42DE-9C53-41977AD35B3D}" type="datetimeFigureOut">
               <a:rPr lang="ru-RU" smtClean="0"/>
-              <a:t>29.03.2020</a:t>
+              <a:t>31.03.2020</a:t>
             </a:fld>
             <a:endParaRPr lang="ru-RU"/>
           </a:p>
@@ -461,7 +462,7 @@
           <a:p>
             <a:fld id="{B4C71EC6-210F-42DE-9C53-41977AD35B3D}" type="datetimeFigureOut">
               <a:rPr lang="ru-RU" smtClean="0"/>
-              <a:t>29.03.2020</a:t>
+              <a:t>31.03.2020</a:t>
             </a:fld>
             <a:endParaRPr lang="ru-RU"/>
           </a:p>
@@ -636,7 +637,7 @@
           <a:p>
             <a:fld id="{B4C71EC6-210F-42DE-9C53-41977AD35B3D}" type="datetimeFigureOut">
               <a:rPr lang="ru-RU" smtClean="0"/>
-              <a:t>29.03.2020</a:t>
+              <a:t>31.03.2020</a:t>
             </a:fld>
             <a:endParaRPr lang="ru-RU"/>
           </a:p>
@@ -801,7 +802,7 @@
           <a:p>
             <a:fld id="{B4C71EC6-210F-42DE-9C53-41977AD35B3D}" type="datetimeFigureOut">
               <a:rPr lang="ru-RU" smtClean="0"/>
-              <a:t>29.03.2020</a:t>
+              <a:t>31.03.2020</a:t>
             </a:fld>
             <a:endParaRPr lang="ru-RU"/>
           </a:p>
@@ -1042,7 +1043,7 @@
           <a:p>
             <a:fld id="{B4C71EC6-210F-42DE-9C53-41977AD35B3D}" type="datetimeFigureOut">
               <a:rPr lang="ru-RU" smtClean="0"/>
-              <a:t>29.03.2020</a:t>
+              <a:t>31.03.2020</a:t>
             </a:fld>
             <a:endParaRPr lang="ru-RU"/>
           </a:p>
@@ -1325,7 +1326,7 @@
           <a:p>
             <a:fld id="{B4C71EC6-210F-42DE-9C53-41977AD35B3D}" type="datetimeFigureOut">
               <a:rPr lang="ru-RU" smtClean="0"/>
-              <a:t>29.03.2020</a:t>
+              <a:t>31.03.2020</a:t>
             </a:fld>
             <a:endParaRPr lang="ru-RU"/>
           </a:p>
@@ -1742,7 +1743,7 @@
           <a:p>
             <a:fld id="{B4C71EC6-210F-42DE-9C53-41977AD35B3D}" type="datetimeFigureOut">
               <a:rPr lang="ru-RU" smtClean="0"/>
-              <a:t>29.03.2020</a:t>
+              <a:t>31.03.2020</a:t>
             </a:fld>
             <a:endParaRPr lang="ru-RU"/>
           </a:p>
@@ -1855,7 +1856,7 @@
           <a:p>
             <a:fld id="{B4C71EC6-210F-42DE-9C53-41977AD35B3D}" type="datetimeFigureOut">
               <a:rPr lang="ru-RU" smtClean="0"/>
-              <a:t>29.03.2020</a:t>
+              <a:t>31.03.2020</a:t>
             </a:fld>
             <a:endParaRPr lang="ru-RU"/>
           </a:p>
@@ -1945,7 +1946,7 @@
           <a:p>
             <a:fld id="{B4C71EC6-210F-42DE-9C53-41977AD35B3D}" type="datetimeFigureOut">
               <a:rPr lang="ru-RU" smtClean="0"/>
-              <a:t>29.03.2020</a:t>
+              <a:t>31.03.2020</a:t>
             </a:fld>
             <a:endParaRPr lang="ru-RU"/>
           </a:p>
@@ -2217,7 +2218,7 @@
           <a:p>
             <a:fld id="{B4C71EC6-210F-42DE-9C53-41977AD35B3D}" type="datetimeFigureOut">
               <a:rPr lang="ru-RU" smtClean="0"/>
-              <a:t>29.03.2020</a:t>
+              <a:t>31.03.2020</a:t>
             </a:fld>
             <a:endParaRPr lang="ru-RU"/>
           </a:p>
@@ -2465,7 +2466,7 @@
           <a:p>
             <a:fld id="{B4C71EC6-210F-42DE-9C53-41977AD35B3D}" type="datetimeFigureOut">
               <a:rPr lang="ru-RU" smtClean="0"/>
-              <a:t>29.03.2020</a:t>
+              <a:t>31.03.2020</a:t>
             </a:fld>
             <a:endParaRPr lang="ru-RU"/>
           </a:p>
@@ -2673,7 +2674,7 @@
           <a:p>
             <a:fld id="{B4C71EC6-210F-42DE-9C53-41977AD35B3D}" type="datetimeFigureOut">
               <a:rPr lang="ru-RU" smtClean="0"/>
-              <a:t>29.03.2020</a:t>
+              <a:t>31.03.2020</a:t>
             </a:fld>
             <a:endParaRPr lang="ru-RU"/>
           </a:p>
@@ -3132,6 +3133,97 @@
 </p:sld>
 </file>
 
+<file path=ppt/slides/slide10.xml><?xml version="1.0" encoding="utf-8"?>
+<p:sld xmlns:a="http://schemas.openxmlformats.org/drawingml/2006/main" xmlns:r="http://schemas.openxmlformats.org/officeDocument/2006/relationships" xmlns:p="http://schemas.openxmlformats.org/presentationml/2006/main">
+  <p:cSld>
+    <p:spTree>
+      <p:nvGrpSpPr>
+        <p:cNvPr id="1" name=""/>
+        <p:cNvGrpSpPr/>
+        <p:nvPr/>
+      </p:nvGrpSpPr>
+      <p:grpSpPr>
+        <a:xfrm>
+          <a:off x="0" y="0"/>
+          <a:ext cx="0" cy="0"/>
+          <a:chOff x="0" y="0"/>
+          <a:chExt cx="0" cy="0"/>
+        </a:xfrm>
+      </p:grpSpPr>
+      <p:sp>
+        <p:nvSpPr>
+          <p:cNvPr id="2" name="Заголовок 1"/>
+          <p:cNvSpPr>
+            <a:spLocks noGrp="1"/>
+          </p:cNvSpPr>
+          <p:nvPr>
+            <p:ph type="title"/>
+          </p:nvPr>
+        </p:nvSpPr>
+        <p:spPr/>
+        <p:txBody>
+          <a:bodyPr/>
+          <a:lstStyle/>
+          <a:p>
+            <a:endParaRPr lang="ru-RU"/>
+          </a:p>
+        </p:txBody>
+      </p:sp>
+      <p:pic>
+        <p:nvPicPr>
+          <p:cNvPr id="4" name="Объект 3"/>
+          <p:cNvPicPr>
+            <a:picLocks noGrp="1" noChangeAspect="1"/>
+          </p:cNvPicPr>
+          <p:nvPr>
+            <p:ph idx="1"/>
+          </p:nvPr>
+        </p:nvPicPr>
+        <p:blipFill>
+          <a:blip r:embed="rId2">
+            <a:extLst>
+              <a:ext uri="{28A0092B-C50C-407E-A947-70E740481C1C}">
+                <a14:useLocalDpi xmlns:a14="http://schemas.microsoft.com/office/drawing/2010/main" val="0"/>
+              </a:ext>
+            </a:extLst>
+          </a:blip>
+          <a:stretch>
+            <a:fillRect/>
+          </a:stretch>
+        </p:blipFill>
+        <p:spPr>
+          <a:xfrm>
+            <a:off x="467544" y="404664"/>
+            <a:ext cx="8332354" cy="5832648"/>
+          </a:xfrm>
+          <a:effectLst>
+            <a:softEdge rad="317500"/>
+          </a:effectLst>
+        </p:spPr>
+      </p:pic>
+    </p:spTree>
+    <p:extLst>
+      <p:ext uri="{BB962C8B-B14F-4D97-AF65-F5344CB8AC3E}">
+        <p14:creationId xmlns:p14="http://schemas.microsoft.com/office/powerpoint/2010/main" val="180497342"/>
+      </p:ext>
+    </p:extLst>
+  </p:cSld>
+  <p:clrMapOvr>
+    <a:masterClrMapping/>
+  </p:clrMapOvr>
+  <p:transition spd="slow">
+    <p:push dir="u"/>
+  </p:transition>
+  <p:timing>
+    <p:tnLst>
+      <p:par>
+        <p:cTn id="1" dur="indefinite" restart="never" nodeType="tmRoot"/>
+      </p:par>
+    </p:tnLst>
+  </p:timing>
+</p:sld>
+</file>
+
 <file path=ppt/slides/slide2.xml><?xml version="1.0" encoding="utf-8"?>
 <p:sld xmlns:a="http://schemas.openxmlformats.org/drawingml/2006/main" xmlns:r="http://schemas.openxmlformats.org/officeDocument/2006/relationships" xmlns:p="http://schemas.openxmlformats.org/presentationml/2006/main">
   <p:cSld>
@@ -5967,21 +6059,7 @@
                 <a:latin typeface="Times New Roman" panose="02020603050405020304" pitchFamily="18" charset="0"/>
                 <a:cs typeface="Times New Roman" panose="02020603050405020304" pitchFamily="18" charset="0"/>
               </a:rPr>
-              <a:t> </a:t>
-            </a:r>
-            <a:r>
-              <a:rPr lang="en-US" sz="1600" dirty="0">
-                <a:latin typeface="Times New Roman" panose="02020603050405020304" pitchFamily="18" charset="0"/>
-                <a:cs typeface="Times New Roman" panose="02020603050405020304" pitchFamily="18" charset="0"/>
-              </a:rPr>
-              <a:t>main</a:t>
-            </a:r>
-            <a:r>
-              <a:rPr lang="en-US" sz="1600" dirty="0">
-                <a:latin typeface="Times New Roman" panose="02020603050405020304" pitchFamily="18" charset="0"/>
-                <a:cs typeface="Times New Roman" panose="02020603050405020304" pitchFamily="18" charset="0"/>
-              </a:rPr>
-              <a:t>(String[] </a:t>
+              <a:t> main(String[] </a:t>
             </a:r>
             <a:r>
               <a:rPr lang="en-US" sz="1600" dirty="0" err="1">
@@ -6085,28 +6163,7 @@
                 <a:latin typeface="Times New Roman" panose="02020603050405020304" pitchFamily="18" charset="0"/>
                 <a:cs typeface="Times New Roman" panose="02020603050405020304" pitchFamily="18" charset="0"/>
               </a:rPr>
-              <a:t>=</a:t>
-            </a:r>
-            <a:r>
-              <a:rPr lang="en-US" sz="1600" dirty="0">
-                <a:latin typeface="Times New Roman" panose="02020603050405020304" pitchFamily="18" charset="0"/>
-                <a:cs typeface="Times New Roman" panose="02020603050405020304" pitchFamily="18" charset="0"/>
-              </a:rPr>
-              <a:t> </a:t>
-            </a:r>
-            <a:r>
-              <a:rPr lang="en-US" sz="1600" dirty="0">
-                <a:latin typeface="Times New Roman" panose="02020603050405020304" pitchFamily="18" charset="0"/>
-                <a:cs typeface="Times New Roman" panose="02020603050405020304" pitchFamily="18" charset="0"/>
-              </a:rPr>
-              <a:t>2</a:t>
-            </a:r>
-            <a:r>
-              <a:rPr lang="en-US" sz="1600" dirty="0">
-                <a:latin typeface="Times New Roman" panose="02020603050405020304" pitchFamily="18" charset="0"/>
-                <a:cs typeface="Times New Roman" panose="02020603050405020304" pitchFamily="18" charset="0"/>
-              </a:rPr>
-              <a:t>; </a:t>
+              <a:t>= 2; </a:t>
             </a:r>
             <a:endParaRPr lang="en-US" sz="1600" dirty="0" smtClean="0">
               <a:latin typeface="Times New Roman" panose="02020603050405020304" pitchFamily="18" charset="0"/>
@@ -6147,214 +6204,130 @@
                 <a:latin typeface="Times New Roman" panose="02020603050405020304" pitchFamily="18" charset="0"/>
                 <a:cs typeface="Times New Roman" panose="02020603050405020304" pitchFamily="18" charset="0"/>
               </a:rPr>
+              <a:t> = </a:t>
+            </a:r>
+            <a:r>
+              <a:rPr lang="en-US" sz="1600" b="1" dirty="0">
+                <a:latin typeface="Times New Roman" panose="02020603050405020304" pitchFamily="18" charset="0"/>
+                <a:cs typeface="Times New Roman" panose="02020603050405020304" pitchFamily="18" charset="0"/>
+              </a:rPr>
+              <a:t>new</a:t>
+            </a:r>
+            <a:r>
+              <a:rPr lang="en-US" sz="1600" dirty="0">
+                <a:latin typeface="Times New Roman" panose="02020603050405020304" pitchFamily="18" charset="0"/>
+                <a:cs typeface="Times New Roman" panose="02020603050405020304" pitchFamily="18" charset="0"/>
+              </a:rPr>
               <a:t> </a:t>
             </a:r>
             <a:r>
+              <a:rPr lang="en-US" sz="1600" dirty="0" err="1">
+                <a:latin typeface="Times New Roman" panose="02020603050405020304" pitchFamily="18" charset="0"/>
+                <a:cs typeface="Times New Roman" panose="02020603050405020304" pitchFamily="18" charset="0"/>
+              </a:rPr>
+              <a:t>ThreadPoolExecutor</a:t>
+            </a:r>
+            <a:r>
               <a:rPr lang="en-US" sz="1600" dirty="0">
                 <a:latin typeface="Times New Roman" panose="02020603050405020304" pitchFamily="18" charset="0"/>
                 <a:cs typeface="Times New Roman" panose="02020603050405020304" pitchFamily="18" charset="0"/>
               </a:rPr>
-              <a:t>=</a:t>
+              <a:t>(0, </a:t>
+            </a:r>
+            <a:r>
+              <a:rPr lang="en-US" sz="1600" dirty="0" err="1">
+                <a:latin typeface="Times New Roman" panose="02020603050405020304" pitchFamily="18" charset="0"/>
+                <a:cs typeface="Times New Roman" panose="02020603050405020304" pitchFamily="18" charset="0"/>
+              </a:rPr>
+              <a:t>threadBound</a:t>
             </a:r>
             <a:r>
               <a:rPr lang="en-US" sz="1600" dirty="0">
                 <a:latin typeface="Times New Roman" panose="02020603050405020304" pitchFamily="18" charset="0"/>
                 <a:cs typeface="Times New Roman" panose="02020603050405020304" pitchFamily="18" charset="0"/>
               </a:rPr>
+              <a:t>, 0L, </a:t>
+            </a:r>
+            <a:r>
+              <a:rPr lang="en-US" sz="1600" dirty="0" smtClean="0">
+                <a:latin typeface="Times New Roman" panose="02020603050405020304" pitchFamily="18" charset="0"/>
+                <a:cs typeface="Times New Roman" panose="02020603050405020304" pitchFamily="18" charset="0"/>
+              </a:rPr>
+              <a:t>    </a:t>
+            </a:r>
+          </a:p>
+          <a:p>
+            <a:r>
+              <a:rPr lang="en-US" sz="1600" dirty="0">
+                <a:latin typeface="Times New Roman" panose="02020603050405020304" pitchFamily="18" charset="0"/>
+                <a:cs typeface="Times New Roman" panose="02020603050405020304" pitchFamily="18" charset="0"/>
+              </a:rPr>
               <a:t> </a:t>
             </a:r>
             <a:r>
-              <a:rPr lang="en-US" sz="1600" b="1" dirty="0">
+              <a:rPr lang="en-US" sz="1600" dirty="0" smtClean="0">
+                <a:latin typeface="Times New Roman" panose="02020603050405020304" pitchFamily="18" charset="0"/>
+                <a:cs typeface="Times New Roman" panose="02020603050405020304" pitchFamily="18" charset="0"/>
+              </a:rPr>
+              <a:t>               </a:t>
+            </a:r>
+            <a:r>
+              <a:rPr lang="en-US" sz="1600" dirty="0" err="1" smtClean="0">
+                <a:latin typeface="Times New Roman" panose="02020603050405020304" pitchFamily="18" charset="0"/>
+                <a:cs typeface="Times New Roman" panose="02020603050405020304" pitchFamily="18" charset="0"/>
+              </a:rPr>
+              <a:t>TimeUnit.SECONDS</a:t>
+            </a:r>
+            <a:r>
+              <a:rPr lang="en-US" sz="1600" dirty="0">
+                <a:latin typeface="Times New Roman" panose="02020603050405020304" pitchFamily="18" charset="0"/>
+                <a:cs typeface="Times New Roman" panose="02020603050405020304" pitchFamily="18" charset="0"/>
+              </a:rPr>
+              <a:t>, </a:t>
+            </a:r>
+            <a:r>
+              <a:rPr lang="en-US" sz="1600" b="1" dirty="0" smtClean="0">
                 <a:latin typeface="Times New Roman" panose="02020603050405020304" pitchFamily="18" charset="0"/>
                 <a:cs typeface="Times New Roman" panose="02020603050405020304" pitchFamily="18" charset="0"/>
               </a:rPr>
               <a:t>new</a:t>
             </a:r>
             <a:r>
+              <a:rPr lang="en-US" sz="1600" dirty="0" smtClean="0">
+                <a:latin typeface="Times New Roman" panose="02020603050405020304" pitchFamily="18" charset="0"/>
+                <a:cs typeface="Times New Roman" panose="02020603050405020304" pitchFamily="18" charset="0"/>
+              </a:rPr>
+              <a:t> </a:t>
+            </a:r>
+            <a:r>
+              <a:rPr lang="en-US" sz="1600" dirty="0" err="1">
+                <a:latin typeface="Times New Roman" panose="02020603050405020304" pitchFamily="18" charset="0"/>
+                <a:cs typeface="Times New Roman" panose="02020603050405020304" pitchFamily="18" charset="0"/>
+              </a:rPr>
+              <a:t>SynchronousQueue</a:t>
+            </a:r>
+            <a:r>
+              <a:rPr lang="en-US" sz="1600" dirty="0" smtClean="0">
+                <a:latin typeface="Times New Roman" panose="02020603050405020304" pitchFamily="18" charset="0"/>
+                <a:cs typeface="Times New Roman" panose="02020603050405020304" pitchFamily="18" charset="0"/>
+              </a:rPr>
+              <a:t>&lt;&gt;());</a:t>
+            </a:r>
+          </a:p>
+          <a:p>
+            <a:r>
+              <a:rPr lang="en-US" sz="1600" dirty="0" smtClean="0">
+                <a:latin typeface="Times New Roman" panose="02020603050405020304" pitchFamily="18" charset="0"/>
+                <a:cs typeface="Times New Roman" panose="02020603050405020304" pitchFamily="18" charset="0"/>
+              </a:rPr>
+              <a:t>       </a:t>
+            </a:r>
+            <a:r>
               <a:rPr lang="en-US" sz="1600" dirty="0">
                 <a:latin typeface="Times New Roman" panose="02020603050405020304" pitchFamily="18" charset="0"/>
                 <a:cs typeface="Times New Roman" panose="02020603050405020304" pitchFamily="18" charset="0"/>
               </a:rPr>
-              <a:t> </a:t>
-            </a:r>
-            <a:r>
-              <a:rPr lang="en-US" sz="1600" dirty="0" err="1">
-                <a:latin typeface="Times New Roman" panose="02020603050405020304" pitchFamily="18" charset="0"/>
-                <a:cs typeface="Times New Roman" panose="02020603050405020304" pitchFamily="18" charset="0"/>
-              </a:rPr>
-              <a:t>ThreadPoolExecutor</a:t>
-            </a:r>
-            <a:r>
-              <a:rPr lang="en-US" sz="1600" dirty="0">
-                <a:latin typeface="Times New Roman" panose="02020603050405020304" pitchFamily="18" charset="0"/>
-                <a:cs typeface="Times New Roman" panose="02020603050405020304" pitchFamily="18" charset="0"/>
-              </a:rPr>
-              <a:t>(</a:t>
-            </a:r>
-            <a:r>
-              <a:rPr lang="en-US" sz="1600" dirty="0">
-                <a:latin typeface="Times New Roman" panose="02020603050405020304" pitchFamily="18" charset="0"/>
-                <a:cs typeface="Times New Roman" panose="02020603050405020304" pitchFamily="18" charset="0"/>
-              </a:rPr>
-              <a:t>0</a:t>
-            </a:r>
-            <a:r>
-              <a:rPr lang="en-US" sz="1600" dirty="0">
-                <a:latin typeface="Times New Roman" panose="02020603050405020304" pitchFamily="18" charset="0"/>
-                <a:cs typeface="Times New Roman" panose="02020603050405020304" pitchFamily="18" charset="0"/>
-              </a:rPr>
-              <a:t>, </a:t>
-            </a:r>
-            <a:r>
-              <a:rPr lang="en-US" sz="1600" dirty="0" err="1">
-                <a:latin typeface="Times New Roman" panose="02020603050405020304" pitchFamily="18" charset="0"/>
-                <a:cs typeface="Times New Roman" panose="02020603050405020304" pitchFamily="18" charset="0"/>
-              </a:rPr>
-              <a:t>threadBound</a:t>
-            </a:r>
-            <a:r>
-              <a:rPr lang="en-US" sz="1600" dirty="0">
-                <a:latin typeface="Times New Roman" panose="02020603050405020304" pitchFamily="18" charset="0"/>
-                <a:cs typeface="Times New Roman" panose="02020603050405020304" pitchFamily="18" charset="0"/>
-              </a:rPr>
-              <a:t>, </a:t>
-            </a:r>
-            <a:r>
-              <a:rPr lang="en-US" sz="1600" dirty="0">
-                <a:latin typeface="Times New Roman" panose="02020603050405020304" pitchFamily="18" charset="0"/>
-                <a:cs typeface="Times New Roman" panose="02020603050405020304" pitchFamily="18" charset="0"/>
-              </a:rPr>
-              <a:t>0</a:t>
-            </a:r>
-            <a:r>
-              <a:rPr lang="en-US" sz="1600" dirty="0">
-                <a:latin typeface="Times New Roman" panose="02020603050405020304" pitchFamily="18" charset="0"/>
-                <a:cs typeface="Times New Roman" panose="02020603050405020304" pitchFamily="18" charset="0"/>
-              </a:rPr>
-              <a:t>L, </a:t>
-            </a:r>
-            <a:r>
-              <a:rPr lang="en-US" sz="1600" dirty="0" smtClean="0">
-                <a:latin typeface="Times New Roman" panose="02020603050405020304" pitchFamily="18" charset="0"/>
-                <a:cs typeface="Times New Roman" panose="02020603050405020304" pitchFamily="18" charset="0"/>
-              </a:rPr>
-              <a:t>    </a:t>
-            </a:r>
-          </a:p>
-          <a:p>
-            <a:r>
-              <a:rPr lang="en-US" sz="1600" dirty="0">
-                <a:latin typeface="Times New Roman" panose="02020603050405020304" pitchFamily="18" charset="0"/>
-                <a:cs typeface="Times New Roman" panose="02020603050405020304" pitchFamily="18" charset="0"/>
-              </a:rPr>
-              <a:t> </a:t>
-            </a:r>
-            <a:r>
-              <a:rPr lang="en-US" sz="1600" dirty="0" smtClean="0">
-                <a:latin typeface="Times New Roman" panose="02020603050405020304" pitchFamily="18" charset="0"/>
-                <a:cs typeface="Times New Roman" panose="02020603050405020304" pitchFamily="18" charset="0"/>
-              </a:rPr>
-              <a:t>               </a:t>
-            </a:r>
-            <a:r>
-              <a:rPr lang="en-US" sz="1600" dirty="0" err="1" smtClean="0">
-                <a:latin typeface="Times New Roman" panose="02020603050405020304" pitchFamily="18" charset="0"/>
-                <a:cs typeface="Times New Roman" panose="02020603050405020304" pitchFamily="18" charset="0"/>
-              </a:rPr>
-              <a:t>TimeUnit.SECONDS</a:t>
-            </a:r>
-            <a:r>
-              <a:rPr lang="en-US" sz="1600" dirty="0">
-                <a:latin typeface="Times New Roman" panose="02020603050405020304" pitchFamily="18" charset="0"/>
-                <a:cs typeface="Times New Roman" panose="02020603050405020304" pitchFamily="18" charset="0"/>
-              </a:rPr>
-              <a:t>, </a:t>
-            </a:r>
-            <a:r>
-              <a:rPr lang="en-US" sz="1600" b="1" dirty="0" smtClean="0">
-                <a:latin typeface="Times New Roman" panose="02020603050405020304" pitchFamily="18" charset="0"/>
-                <a:cs typeface="Times New Roman" panose="02020603050405020304" pitchFamily="18" charset="0"/>
-              </a:rPr>
-              <a:t>new</a:t>
-            </a:r>
-            <a:r>
-              <a:rPr lang="en-US" sz="1600" dirty="0" smtClean="0">
-                <a:latin typeface="Times New Roman" panose="02020603050405020304" pitchFamily="18" charset="0"/>
-                <a:cs typeface="Times New Roman" panose="02020603050405020304" pitchFamily="18" charset="0"/>
-              </a:rPr>
-              <a:t> </a:t>
-            </a:r>
-            <a:r>
-              <a:rPr lang="en-US" sz="1600" dirty="0" err="1">
-                <a:latin typeface="Times New Roman" panose="02020603050405020304" pitchFamily="18" charset="0"/>
-                <a:cs typeface="Times New Roman" panose="02020603050405020304" pitchFamily="18" charset="0"/>
-              </a:rPr>
-              <a:t>SynchronousQueue</a:t>
-            </a:r>
-            <a:r>
-              <a:rPr lang="en-US" sz="1600" dirty="0" smtClean="0">
-                <a:latin typeface="Times New Roman" panose="02020603050405020304" pitchFamily="18" charset="0"/>
-                <a:cs typeface="Times New Roman" panose="02020603050405020304" pitchFamily="18" charset="0"/>
-              </a:rPr>
-              <a:t>&lt;&gt;());</a:t>
-            </a:r>
-          </a:p>
-          <a:p>
-            <a:r>
-              <a:rPr lang="en-US" sz="1600" dirty="0" smtClean="0">
-                <a:latin typeface="Times New Roman" panose="02020603050405020304" pitchFamily="18" charset="0"/>
-                <a:cs typeface="Times New Roman" panose="02020603050405020304" pitchFamily="18" charset="0"/>
-              </a:rPr>
-              <a:t>       </a:t>
-            </a:r>
-            <a:r>
-              <a:rPr lang="en-US" sz="1600" dirty="0">
-                <a:latin typeface="Times New Roman" panose="02020603050405020304" pitchFamily="18" charset="0"/>
-                <a:cs typeface="Times New Roman" panose="02020603050405020304" pitchFamily="18" charset="0"/>
-              </a:rPr>
-              <a:t>Callable</a:t>
-            </a:r>
-            <a:r>
-              <a:rPr lang="en-US" sz="1600" dirty="0">
-                <a:latin typeface="Times New Roman" panose="02020603050405020304" pitchFamily="18" charset="0"/>
-                <a:cs typeface="Times New Roman" panose="02020603050405020304" pitchFamily="18" charset="0"/>
-              </a:rPr>
-              <a:t>&lt;String&gt;</a:t>
-            </a:r>
-            <a:r>
-              <a:rPr lang="en-US" sz="1600" dirty="0">
-                <a:latin typeface="Times New Roman" panose="02020603050405020304" pitchFamily="18" charset="0"/>
-                <a:cs typeface="Times New Roman" panose="02020603050405020304" pitchFamily="18" charset="0"/>
-              </a:rPr>
-              <a:t> task </a:t>
-            </a:r>
-            <a:r>
-              <a:rPr lang="en-US" sz="1600" dirty="0">
-                <a:latin typeface="Times New Roman" panose="02020603050405020304" pitchFamily="18" charset="0"/>
-                <a:cs typeface="Times New Roman" panose="02020603050405020304" pitchFamily="18" charset="0"/>
-              </a:rPr>
-              <a:t>=</a:t>
-            </a:r>
-            <a:r>
-              <a:rPr lang="en-US" sz="1600" dirty="0">
-                <a:latin typeface="Times New Roman" panose="02020603050405020304" pitchFamily="18" charset="0"/>
-                <a:cs typeface="Times New Roman" panose="02020603050405020304" pitchFamily="18" charset="0"/>
-              </a:rPr>
-              <a:t> () </a:t>
-            </a:r>
-            <a:r>
-              <a:rPr lang="en-US" sz="1600" dirty="0">
-                <a:latin typeface="Times New Roman" panose="02020603050405020304" pitchFamily="18" charset="0"/>
-                <a:cs typeface="Times New Roman" panose="02020603050405020304" pitchFamily="18" charset="0"/>
-              </a:rPr>
-              <a:t>-&gt;</a:t>
-            </a:r>
-            <a:r>
-              <a:rPr lang="en-US" sz="1600" dirty="0">
-                <a:latin typeface="Times New Roman" panose="02020603050405020304" pitchFamily="18" charset="0"/>
-                <a:cs typeface="Times New Roman" panose="02020603050405020304" pitchFamily="18" charset="0"/>
-              </a:rPr>
-              <a:t> </a:t>
+              <a:t>Callable&lt;String&gt; task = () -&gt; </a:t>
             </a:r>
             <a:r>
               <a:rPr lang="en-US" sz="1600" dirty="0" smtClean="0">
@@ -6425,14 +6398,7 @@
                 <a:latin typeface="Times New Roman" panose="02020603050405020304" pitchFamily="18" charset="0"/>
                 <a:cs typeface="Times New Roman" panose="02020603050405020304" pitchFamily="18" charset="0"/>
               </a:rPr>
-              <a:t>Thread.</a:t>
-            </a:r>
-            <a:r>
-              <a:rPr lang="en-US" sz="1600" dirty="0" err="1">
-                <a:latin typeface="Times New Roman" panose="02020603050405020304" pitchFamily="18" charset="0"/>
-                <a:cs typeface="Times New Roman" panose="02020603050405020304" pitchFamily="18" charset="0"/>
-              </a:rPr>
-              <a:t>currentThread</a:t>
+              <a:t>Thread.currentThread</a:t>
             </a:r>
             <a:r>
               <a:rPr lang="en-US" sz="1600" dirty="0">
@@ -6524,156 +6490,72 @@
                 <a:latin typeface="Times New Roman" panose="02020603050405020304" pitchFamily="18" charset="0"/>
                 <a:cs typeface="Times New Roman" panose="02020603050405020304" pitchFamily="18" charset="0"/>
               </a:rPr>
-              <a:t> </a:t>
+              <a:t> = 0; </a:t>
+            </a:r>
+            <a:r>
+              <a:rPr lang="en-US" sz="1600" dirty="0" err="1">
+                <a:latin typeface="Times New Roman" panose="02020603050405020304" pitchFamily="18" charset="0"/>
+                <a:cs typeface="Times New Roman" panose="02020603050405020304" pitchFamily="18" charset="0"/>
+              </a:rPr>
+              <a:t>i</a:t>
             </a:r>
             <a:r>
               <a:rPr lang="en-US" sz="1600" dirty="0">
                 <a:latin typeface="Times New Roman" panose="02020603050405020304" pitchFamily="18" charset="0"/>
                 <a:cs typeface="Times New Roman" panose="02020603050405020304" pitchFamily="18" charset="0"/>
               </a:rPr>
-              <a:t>=</a:t>
+              <a:t> &lt; </a:t>
+            </a:r>
+            <a:r>
+              <a:rPr lang="en-US" sz="1600" dirty="0" err="1">
+                <a:latin typeface="Times New Roman" panose="02020603050405020304" pitchFamily="18" charset="0"/>
+                <a:cs typeface="Times New Roman" panose="02020603050405020304" pitchFamily="18" charset="0"/>
+              </a:rPr>
+              <a:t>threadBound</a:t>
             </a:r>
             <a:r>
               <a:rPr lang="en-US" sz="1600" dirty="0">
                 <a:latin typeface="Times New Roman" panose="02020603050405020304" pitchFamily="18" charset="0"/>
                 <a:cs typeface="Times New Roman" panose="02020603050405020304" pitchFamily="18" charset="0"/>
               </a:rPr>
-              <a:t> </a:t>
+              <a:t> + 1; </a:t>
+            </a:r>
+            <a:r>
+              <a:rPr lang="en-US" sz="1600" dirty="0" err="1">
+                <a:latin typeface="Times New Roman" panose="02020603050405020304" pitchFamily="18" charset="0"/>
+                <a:cs typeface="Times New Roman" panose="02020603050405020304" pitchFamily="18" charset="0"/>
+              </a:rPr>
+              <a:t>i</a:t>
             </a:r>
             <a:r>
               <a:rPr lang="en-US" sz="1600" dirty="0">
                 <a:latin typeface="Times New Roman" panose="02020603050405020304" pitchFamily="18" charset="0"/>
                 <a:cs typeface="Times New Roman" panose="02020603050405020304" pitchFamily="18" charset="0"/>
               </a:rPr>
-              <a:t>0</a:t>
-            </a:r>
-            <a:r>
-              <a:rPr lang="en-US" sz="1600" dirty="0">
-                <a:latin typeface="Times New Roman" panose="02020603050405020304" pitchFamily="18" charset="0"/>
-                <a:cs typeface="Times New Roman" panose="02020603050405020304" pitchFamily="18" charset="0"/>
-              </a:rPr>
-              <a:t>; </a:t>
+              <a:t>++) </a:t>
+            </a:r>
+            <a:r>
+              <a:rPr lang="en-US" sz="1600" dirty="0" smtClean="0">
+                <a:latin typeface="Times New Roman" panose="02020603050405020304" pitchFamily="18" charset="0"/>
+                <a:cs typeface="Times New Roman" panose="02020603050405020304" pitchFamily="18" charset="0"/>
+              </a:rPr>
+              <a:t>{</a:t>
+            </a:r>
+          </a:p>
+          <a:p>
+            <a:r>
+              <a:rPr lang="en-US" sz="1600" dirty="0" smtClean="0">
+                <a:latin typeface="Times New Roman" panose="02020603050405020304" pitchFamily="18" charset="0"/>
+                <a:cs typeface="Times New Roman" panose="02020603050405020304" pitchFamily="18" charset="0"/>
+              </a:rPr>
+              <a:t>              </a:t>
             </a:r>
             <a:r>
               <a:rPr lang="en-US" sz="1600" dirty="0" err="1">
                 <a:latin typeface="Times New Roman" panose="02020603050405020304" pitchFamily="18" charset="0"/>
                 <a:cs typeface="Times New Roman" panose="02020603050405020304" pitchFamily="18" charset="0"/>
               </a:rPr>
-              <a:t>i</a:t>
-            </a:r>
-            <a:r>
-              <a:rPr lang="en-US" sz="1600" dirty="0">
-                <a:latin typeface="Times New Roman" panose="02020603050405020304" pitchFamily="18" charset="0"/>
-                <a:cs typeface="Times New Roman" panose="02020603050405020304" pitchFamily="18" charset="0"/>
-              </a:rPr>
-              <a:t> </a:t>
-            </a:r>
-            <a:r>
-              <a:rPr lang="en-US" sz="1600" dirty="0">
-                <a:latin typeface="Times New Roman" panose="02020603050405020304" pitchFamily="18" charset="0"/>
-                <a:cs typeface="Times New Roman" panose="02020603050405020304" pitchFamily="18" charset="0"/>
-              </a:rPr>
-              <a:t>&lt;</a:t>
-            </a:r>
-            <a:r>
-              <a:rPr lang="en-US" sz="1600" dirty="0">
-                <a:latin typeface="Times New Roman" panose="02020603050405020304" pitchFamily="18" charset="0"/>
-                <a:cs typeface="Times New Roman" panose="02020603050405020304" pitchFamily="18" charset="0"/>
-              </a:rPr>
-              <a:t> </a:t>
-            </a:r>
-            <a:r>
-              <a:rPr lang="en-US" sz="1600" dirty="0" err="1">
-                <a:latin typeface="Times New Roman" panose="02020603050405020304" pitchFamily="18" charset="0"/>
-                <a:cs typeface="Times New Roman" panose="02020603050405020304" pitchFamily="18" charset="0"/>
-              </a:rPr>
-              <a:t>threadBound</a:t>
-            </a:r>
-            <a:r>
-              <a:rPr lang="en-US" sz="1600" dirty="0">
-                <a:latin typeface="Times New Roman" panose="02020603050405020304" pitchFamily="18" charset="0"/>
-                <a:cs typeface="Times New Roman" panose="02020603050405020304" pitchFamily="18" charset="0"/>
-              </a:rPr>
-              <a:t> </a:t>
-            </a:r>
-            <a:r>
-              <a:rPr lang="en-US" sz="1600" dirty="0">
-                <a:latin typeface="Times New Roman" panose="02020603050405020304" pitchFamily="18" charset="0"/>
-                <a:cs typeface="Times New Roman" panose="02020603050405020304" pitchFamily="18" charset="0"/>
-              </a:rPr>
-              <a:t>+</a:t>
-            </a:r>
-            <a:r>
-              <a:rPr lang="en-US" sz="1600" dirty="0">
-                <a:latin typeface="Times New Roman" panose="02020603050405020304" pitchFamily="18" charset="0"/>
-                <a:cs typeface="Times New Roman" panose="02020603050405020304" pitchFamily="18" charset="0"/>
-              </a:rPr>
-              <a:t> </a:t>
-            </a:r>
-            <a:r>
-              <a:rPr lang="en-US" sz="1600" dirty="0">
-                <a:latin typeface="Times New Roman" panose="02020603050405020304" pitchFamily="18" charset="0"/>
-                <a:cs typeface="Times New Roman" panose="02020603050405020304" pitchFamily="18" charset="0"/>
-              </a:rPr>
-              <a:t>1</a:t>
-            </a:r>
-            <a:r>
-              <a:rPr lang="en-US" sz="1600" dirty="0">
-                <a:latin typeface="Times New Roman" panose="02020603050405020304" pitchFamily="18" charset="0"/>
-                <a:cs typeface="Times New Roman" panose="02020603050405020304" pitchFamily="18" charset="0"/>
-              </a:rPr>
-              <a:t>; </a:t>
-            </a:r>
-            <a:r>
-              <a:rPr lang="en-US" sz="1600" dirty="0" err="1">
-                <a:latin typeface="Times New Roman" panose="02020603050405020304" pitchFamily="18" charset="0"/>
-                <a:cs typeface="Times New Roman" panose="02020603050405020304" pitchFamily="18" charset="0"/>
-              </a:rPr>
-              <a:t>i</a:t>
-            </a:r>
-            <a:r>
-              <a:rPr lang="en-US" sz="1600" dirty="0">
-                <a:latin typeface="Times New Roman" panose="02020603050405020304" pitchFamily="18" charset="0"/>
-                <a:cs typeface="Times New Roman" panose="02020603050405020304" pitchFamily="18" charset="0"/>
-              </a:rPr>
-              <a:t>++</a:t>
-            </a:r>
-            <a:r>
-              <a:rPr lang="en-US" sz="1600" dirty="0">
-                <a:latin typeface="Times New Roman" panose="02020603050405020304" pitchFamily="18" charset="0"/>
-                <a:cs typeface="Times New Roman" panose="02020603050405020304" pitchFamily="18" charset="0"/>
-              </a:rPr>
-              <a:t>) </a:t>
-            </a:r>
-            <a:r>
-              <a:rPr lang="en-US" sz="1600" dirty="0" smtClean="0">
-                <a:latin typeface="Times New Roman" panose="02020603050405020304" pitchFamily="18" charset="0"/>
-                <a:cs typeface="Times New Roman" panose="02020603050405020304" pitchFamily="18" charset="0"/>
-              </a:rPr>
-              <a:t>{</a:t>
-            </a:r>
-          </a:p>
-          <a:p>
-            <a:r>
-              <a:rPr lang="en-US" sz="1600" dirty="0" smtClean="0">
-                <a:latin typeface="Times New Roman" panose="02020603050405020304" pitchFamily="18" charset="0"/>
-                <a:cs typeface="Times New Roman" panose="02020603050405020304" pitchFamily="18" charset="0"/>
-              </a:rPr>
-              <a:t>              </a:t>
-            </a:r>
-            <a:r>
-              <a:rPr lang="en-US" sz="1600" dirty="0" err="1">
-                <a:latin typeface="Times New Roman" panose="02020603050405020304" pitchFamily="18" charset="0"/>
-                <a:cs typeface="Times New Roman" panose="02020603050405020304" pitchFamily="18" charset="0"/>
-              </a:rPr>
-              <a:t>threadPoolExecutor.</a:t>
-            </a:r>
-            <a:r>
-              <a:rPr lang="en-US" sz="1600" dirty="0" err="1">
-                <a:latin typeface="Times New Roman" panose="02020603050405020304" pitchFamily="18" charset="0"/>
-                <a:cs typeface="Times New Roman" panose="02020603050405020304" pitchFamily="18" charset="0"/>
-              </a:rPr>
-              <a:t>submit</a:t>
+              <a:t>threadPoolExecutor.submit</a:t>
             </a:r>
             <a:r>
               <a:rPr lang="en-US" sz="1600" dirty="0">
@@ -7430,6 +7312,150 @@
             <p:ph type="title"/>
           </p:nvPr>
         </p:nvSpPr>
+        <p:spPr/>
+        <p:txBody>
+          <a:bodyPr/>
+          <a:lstStyle/>
+          <a:p>
+            <a:endParaRPr lang="ru-RU"/>
+          </a:p>
+        </p:txBody>
+      </p:sp>
+      <p:pic>
+        <p:nvPicPr>
+          <p:cNvPr id="4" name="Объект 3"/>
+          <p:cNvPicPr>
+            <a:picLocks noGrp="1" noChangeAspect="1"/>
+          </p:cNvPicPr>
+          <p:nvPr>
+            <p:ph idx="1"/>
+          </p:nvPr>
+        </p:nvPicPr>
+        <p:blipFill>
+          <a:blip r:embed="rId2">
+            <a:extLst>
+              <a:ext uri="{28A0092B-C50C-407E-A947-70E740481C1C}">
+                <a14:useLocalDpi xmlns:a14="http://schemas.microsoft.com/office/drawing/2010/main" val="0"/>
+              </a:ext>
+            </a:extLst>
+          </a:blip>
+          <a:stretch>
+            <a:fillRect/>
+          </a:stretch>
+        </p:blipFill>
+        <p:spPr>
+          <a:xfrm>
+            <a:off x="251520" y="188640"/>
+            <a:ext cx="8640960" cy="6480720"/>
+          </a:xfrm>
+          <a:solidFill>
+            <a:schemeClr val="bg1"/>
+          </a:solidFill>
+          <a:ln>
+            <a:solidFill>
+              <a:schemeClr val="bg1"/>
+            </a:solidFill>
+          </a:ln>
+        </p:spPr>
+      </p:pic>
+      <p:sp>
+        <p:nvSpPr>
+          <p:cNvPr id="7" name="Прямоугольник 6"/>
+          <p:cNvSpPr/>
+          <p:nvPr/>
+        </p:nvSpPr>
+        <p:spPr>
+          <a:xfrm>
+            <a:off x="107504" y="6037730"/>
+            <a:ext cx="8856984" cy="703637"/>
+          </a:xfrm>
+          <a:prstGeom prst="rect">
+            <a:avLst/>
+          </a:prstGeom>
+          <a:solidFill>
+            <a:schemeClr val="bg1"/>
+          </a:solidFill>
+          <a:ln>
+            <a:solidFill>
+              <a:schemeClr val="bg1"/>
+            </a:solidFill>
+          </a:ln>
+        </p:spPr>
+        <p:style>
+          <a:lnRef idx="2">
+            <a:schemeClr val="accent1">
+              <a:shade val="50000"/>
+            </a:schemeClr>
+          </a:lnRef>
+          <a:fillRef idx="1">
+            <a:schemeClr val="accent1"/>
+          </a:fillRef>
+          <a:effectRef idx="0">
+            <a:schemeClr val="accent1"/>
+          </a:effectRef>
+          <a:fontRef idx="minor">
+            <a:schemeClr val="lt1"/>
+          </a:fontRef>
+        </p:style>
+        <p:txBody>
+          <a:bodyPr rtlCol="0" anchor="ctr"/>
+          <a:lstStyle/>
+          <a:p>
+            <a:pPr algn="ctr"/>
+            <a:endParaRPr lang="ru-RU"/>
+          </a:p>
+        </p:txBody>
+      </p:sp>
+    </p:spTree>
+    <p:extLst>
+      <p:ext uri="{BB962C8B-B14F-4D97-AF65-F5344CB8AC3E}">
+        <p14:creationId xmlns:p14="http://schemas.microsoft.com/office/powerpoint/2010/main" val="2873511059"/>
+      </p:ext>
+    </p:extLst>
+  </p:cSld>
+  <p:clrMapOvr>
+    <a:masterClrMapping/>
+  </p:clrMapOvr>
+  <p:transition spd="slow">
+    <p:push dir="u"/>
+  </p:transition>
+  <p:timing>
+    <p:tnLst>
+      <p:par>
+        <p:cTn id="1" dur="indefinite" restart="never" nodeType="tmRoot"/>
+      </p:par>
+    </p:tnLst>
+  </p:timing>
+</p:sld>
+</file>
+
+<file path=ppt/slides/slide8.xml><?xml version="1.0" encoding="utf-8"?>
+<p:sld xmlns:a="http://schemas.openxmlformats.org/drawingml/2006/main" xmlns:r="http://schemas.openxmlformats.org/officeDocument/2006/relationships" xmlns:p="http://schemas.openxmlformats.org/presentationml/2006/main">
+  <p:cSld>
+    <p:spTree>
+      <p:nvGrpSpPr>
+        <p:cNvPr id="1" name=""/>
+        <p:cNvGrpSpPr/>
+        <p:nvPr/>
+      </p:nvGrpSpPr>
+      <p:grpSpPr>
+        <a:xfrm>
+          <a:off x="0" y="0"/>
+          <a:ext cx="0" cy="0"/>
+          <a:chOff x="0" y="0"/>
+          <a:chExt cx="0" cy="0"/>
+        </a:xfrm>
+      </p:grpSpPr>
+      <p:sp>
+        <p:nvSpPr>
+          <p:cNvPr id="2" name="Заголовок 1"/>
+          <p:cNvSpPr>
+            <a:spLocks noGrp="1"/>
+          </p:cNvSpPr>
+          <p:nvPr>
+            <p:ph type="title"/>
+          </p:nvPr>
+        </p:nvSpPr>
         <p:spPr>
           <a:xfrm>
             <a:off x="457200" y="274638"/>
@@ -7462,7 +7488,6 @@
               <a:rPr lang="ru-RU" sz="2400" dirty="0"/>
               <a:t>)</a:t>
             </a:r>
-            <a:endParaRPr lang="ru-RU" sz="2400" dirty="0"/>
           </a:p>
         </p:txBody>
       </p:sp>
@@ -7863,7 +7888,7 @@
 </p:sld>
 </file>
 
-<file path=ppt/slides/slide8.xml><?xml version="1.0" encoding="utf-8"?>
+<file path=ppt/slides/slide9.xml><?xml version="1.0" encoding="utf-8"?>
 <p:sld xmlns:a="http://schemas.openxmlformats.org/drawingml/2006/main" xmlns:r="http://schemas.openxmlformats.org/officeDocument/2006/relationships" xmlns:p="http://schemas.openxmlformats.org/presentationml/2006/main">
   <p:cSld>
     <p:spTree>
@@ -8053,97 +8078,6 @@
     <p:extLst>
       <p:ext uri="{BB962C8B-B14F-4D97-AF65-F5344CB8AC3E}">
         <p14:creationId xmlns:p14="http://schemas.microsoft.com/office/powerpoint/2010/main" val="1283381421"/>
-      </p:ext>
-    </p:extLst>
-  </p:cSld>
-  <p:clrMapOvr>
-    <a:masterClrMapping/>
-  </p:clrMapOvr>
-  <p:transition spd="slow">
-    <p:push dir="u"/>
-  </p:transition>
-  <p:timing>
-    <p:tnLst>
-      <p:par>
-        <p:cTn id="1" dur="indefinite" restart="never" nodeType="tmRoot"/>
-      </p:par>
-    </p:tnLst>
-  </p:timing>
-</p:sld>
-</file>
-
-<file path=ppt/slides/slide9.xml><?xml version="1.0" encoding="utf-8"?>
-<p:sld xmlns:a="http://schemas.openxmlformats.org/drawingml/2006/main" xmlns:r="http://schemas.openxmlformats.org/officeDocument/2006/relationships" xmlns:p="http://schemas.openxmlformats.org/presentationml/2006/main">
-  <p:cSld>
-    <p:spTree>
-      <p:nvGrpSpPr>
-        <p:cNvPr id="1" name=""/>
-        <p:cNvGrpSpPr/>
-        <p:nvPr/>
-      </p:nvGrpSpPr>
-      <p:grpSpPr>
-        <a:xfrm>
-          <a:off x="0" y="0"/>
-          <a:ext cx="0" cy="0"/>
-          <a:chOff x="0" y="0"/>
-          <a:chExt cx="0" cy="0"/>
-        </a:xfrm>
-      </p:grpSpPr>
-      <p:sp>
-        <p:nvSpPr>
-          <p:cNvPr id="2" name="Заголовок 1"/>
-          <p:cNvSpPr>
-            <a:spLocks noGrp="1"/>
-          </p:cNvSpPr>
-          <p:nvPr>
-            <p:ph type="title"/>
-          </p:nvPr>
-        </p:nvSpPr>
-        <p:spPr/>
-        <p:txBody>
-          <a:bodyPr/>
-          <a:lstStyle/>
-          <a:p>
-            <a:endParaRPr lang="ru-RU"/>
-          </a:p>
-        </p:txBody>
-      </p:sp>
-      <p:pic>
-        <p:nvPicPr>
-          <p:cNvPr id="4" name="Объект 3"/>
-          <p:cNvPicPr>
-            <a:picLocks noGrp="1" noChangeAspect="1"/>
-          </p:cNvPicPr>
-          <p:nvPr>
-            <p:ph idx="1"/>
-          </p:nvPr>
-        </p:nvPicPr>
-        <p:blipFill>
-          <a:blip r:embed="rId2">
-            <a:extLst>
-              <a:ext uri="{28A0092B-C50C-407E-A947-70E740481C1C}">
-                <a14:useLocalDpi xmlns:a14="http://schemas.microsoft.com/office/drawing/2010/main" val="0"/>
-              </a:ext>
-            </a:extLst>
-          </a:blip>
-          <a:stretch>
-            <a:fillRect/>
-          </a:stretch>
-        </p:blipFill>
-        <p:spPr>
-          <a:xfrm>
-            <a:off x="467544" y="404664"/>
-            <a:ext cx="8332354" cy="5832648"/>
-          </a:xfrm>
-          <a:effectLst>
-            <a:softEdge rad="317500"/>
-          </a:effectLst>
-        </p:spPr>
-      </p:pic>
-    </p:spTree>
-    <p:extLst>
-      <p:ext uri="{BB962C8B-B14F-4D97-AF65-F5344CB8AC3E}">
-        <p14:creationId xmlns:p14="http://schemas.microsoft.com/office/powerpoint/2010/main" val="180497342"/>
       </p:ext>
     </p:extLst>
   </p:cSld>
